--- a/Off-policy Learning with Recognizers.pptx
+++ b/Off-policy Learning with Recognizers.pptx
@@ -14,7 +14,8 @@
     <p:sldId id="259" r:id="rId8"/>
     <p:sldId id="264" r:id="rId9"/>
     <p:sldId id="265" r:id="rId10"/>
-    <p:sldId id="266" r:id="rId11"/>
+    <p:sldId id="267" r:id="rId11"/>
+    <p:sldId id="266" r:id="rId12"/>
   </p:sldIdLst>
   <p:sldSz cx="12192000" cy="6858000"/>
   <p:notesSz cx="6858000" cy="9144000"/>
@@ -263,7 +264,7 @@
           <a:p>
             <a:fld id="{55832426-94FB-4F5D-91D3-6ECEF0D7029C}" type="datetimeFigureOut">
               <a:rPr lang="en-US" smtClean="0"/>
-              <a:t>2/2/2017</a:t>
+              <a:t>2/4/2017</a:t>
             </a:fld>
             <a:endParaRPr lang="en-US"/>
           </a:p>
@@ -433,7 +434,7 @@
           <a:p>
             <a:fld id="{55832426-94FB-4F5D-91D3-6ECEF0D7029C}" type="datetimeFigureOut">
               <a:rPr lang="en-US" smtClean="0"/>
-              <a:t>2/2/2017</a:t>
+              <a:t>2/4/2017</a:t>
             </a:fld>
             <a:endParaRPr lang="en-US"/>
           </a:p>
@@ -613,7 +614,7 @@
           <a:p>
             <a:fld id="{55832426-94FB-4F5D-91D3-6ECEF0D7029C}" type="datetimeFigureOut">
               <a:rPr lang="en-US" smtClean="0"/>
-              <a:t>2/2/2017</a:t>
+              <a:t>2/4/2017</a:t>
             </a:fld>
             <a:endParaRPr lang="en-US"/>
           </a:p>
@@ -783,7 +784,7 @@
           <a:p>
             <a:fld id="{55832426-94FB-4F5D-91D3-6ECEF0D7029C}" type="datetimeFigureOut">
               <a:rPr lang="en-US" smtClean="0"/>
-              <a:t>2/2/2017</a:t>
+              <a:t>2/4/2017</a:t>
             </a:fld>
             <a:endParaRPr lang="en-US"/>
           </a:p>
@@ -1029,7 +1030,7 @@
           <a:p>
             <a:fld id="{55832426-94FB-4F5D-91D3-6ECEF0D7029C}" type="datetimeFigureOut">
               <a:rPr lang="en-US" smtClean="0"/>
-              <a:t>2/2/2017</a:t>
+              <a:t>2/4/2017</a:t>
             </a:fld>
             <a:endParaRPr lang="en-US"/>
           </a:p>
@@ -1261,7 +1262,7 @@
           <a:p>
             <a:fld id="{55832426-94FB-4F5D-91D3-6ECEF0D7029C}" type="datetimeFigureOut">
               <a:rPr lang="en-US" smtClean="0"/>
-              <a:t>2/2/2017</a:t>
+              <a:t>2/4/2017</a:t>
             </a:fld>
             <a:endParaRPr lang="en-US"/>
           </a:p>
@@ -1628,7 +1629,7 @@
           <a:p>
             <a:fld id="{55832426-94FB-4F5D-91D3-6ECEF0D7029C}" type="datetimeFigureOut">
               <a:rPr lang="en-US" smtClean="0"/>
-              <a:t>2/2/2017</a:t>
+              <a:t>2/4/2017</a:t>
             </a:fld>
             <a:endParaRPr lang="en-US"/>
           </a:p>
@@ -1746,7 +1747,7 @@
           <a:p>
             <a:fld id="{55832426-94FB-4F5D-91D3-6ECEF0D7029C}" type="datetimeFigureOut">
               <a:rPr lang="en-US" smtClean="0"/>
-              <a:t>2/2/2017</a:t>
+              <a:t>2/4/2017</a:t>
             </a:fld>
             <a:endParaRPr lang="en-US"/>
           </a:p>
@@ -1841,7 +1842,7 @@
           <a:p>
             <a:fld id="{55832426-94FB-4F5D-91D3-6ECEF0D7029C}" type="datetimeFigureOut">
               <a:rPr lang="en-US" smtClean="0"/>
-              <a:t>2/2/2017</a:t>
+              <a:t>2/4/2017</a:t>
             </a:fld>
             <a:endParaRPr lang="en-US"/>
           </a:p>
@@ -2118,7 +2119,7 @@
           <a:p>
             <a:fld id="{55832426-94FB-4F5D-91D3-6ECEF0D7029C}" type="datetimeFigureOut">
               <a:rPr lang="en-US" smtClean="0"/>
-              <a:t>2/2/2017</a:t>
+              <a:t>2/4/2017</a:t>
             </a:fld>
             <a:endParaRPr lang="en-US"/>
           </a:p>
@@ -2371,7 +2372,7 @@
           <a:p>
             <a:fld id="{55832426-94FB-4F5D-91D3-6ECEF0D7029C}" type="datetimeFigureOut">
               <a:rPr lang="en-US" smtClean="0"/>
-              <a:t>2/2/2017</a:t>
+              <a:t>2/4/2017</a:t>
             </a:fld>
             <a:endParaRPr lang="en-US"/>
           </a:p>
@@ -2584,7 +2585,7 @@
           <a:p>
             <a:fld id="{55832426-94FB-4F5D-91D3-6ECEF0D7029C}" type="datetimeFigureOut">
               <a:rPr lang="en-US" smtClean="0"/>
-              <a:t>2/2/2017</a:t>
+              <a:t>2/4/2017</a:t>
             </a:fld>
             <a:endParaRPr lang="en-US"/>
           </a:p>
@@ -3122,6 +3123,85 @@
           <a:bodyPr/>
           <a:lstStyle/>
           <a:p>
+            <a:r>
+              <a:rPr lang="en-US" altLang="zh-CN" dirty="0" smtClean="0"/>
+              <a:t>Illustration</a:t>
+            </a:r>
+            <a:endParaRPr lang="en-US" dirty="0"/>
+          </a:p>
+        </p:txBody>
+      </p:sp>
+      <p:pic>
+        <p:nvPicPr>
+          <p:cNvPr id="6" name="Content Placeholder 5"/>
+          <p:cNvPicPr>
+            <a:picLocks noGrp="1" noChangeAspect="1"/>
+          </p:cNvPicPr>
+          <p:nvPr>
+            <p:ph idx="1"/>
+          </p:nvPr>
+        </p:nvPicPr>
+        <p:blipFill>
+          <a:blip r:embed="rId2"/>
+          <a:stretch>
+            <a:fillRect/>
+          </a:stretch>
+        </p:blipFill>
+        <p:spPr>
+          <a:xfrm>
+            <a:off x="1834026" y="2278386"/>
+            <a:ext cx="8523948" cy="4351338"/>
+          </a:xfrm>
+          <a:prstGeom prst="rect">
+            <a:avLst/>
+          </a:prstGeom>
+        </p:spPr>
+      </p:pic>
+    </p:spTree>
+    <p:extLst>
+      <p:ext uri="{BB962C8B-B14F-4D97-AF65-F5344CB8AC3E}">
+        <p14:creationId xmlns:p14="http://schemas.microsoft.com/office/powerpoint/2010/main" val="1669983579"/>
+      </p:ext>
+    </p:extLst>
+  </p:cSld>
+  <p:clrMapOvr>
+    <a:masterClrMapping/>
+  </p:clrMapOvr>
+</p:sld>
+</file>
+
+<file path=ppt/slides/slide11.xml><?xml version="1.0" encoding="utf-8"?>
+<p:sld xmlns:a="http://schemas.openxmlformats.org/drawingml/2006/main" xmlns:r="http://schemas.openxmlformats.org/officeDocument/2006/relationships" xmlns:p="http://schemas.openxmlformats.org/presentationml/2006/main">
+  <p:cSld>
+    <p:spTree>
+      <p:nvGrpSpPr>
+        <p:cNvPr id="1" name=""/>
+        <p:cNvGrpSpPr/>
+        <p:nvPr/>
+      </p:nvGrpSpPr>
+      <p:grpSpPr>
+        <a:xfrm>
+          <a:off x="0" y="0"/>
+          <a:ext cx="0" cy="0"/>
+          <a:chOff x="0" y="0"/>
+          <a:chExt cx="0" cy="0"/>
+        </a:xfrm>
+      </p:grpSpPr>
+      <p:sp>
+        <p:nvSpPr>
+          <p:cNvPr id="2" name="Title 1"/>
+          <p:cNvSpPr>
+            <a:spLocks noGrp="1"/>
+          </p:cNvSpPr>
+          <p:nvPr>
+            <p:ph type="title"/>
+          </p:nvPr>
+        </p:nvSpPr>
+        <p:spPr/>
+        <p:txBody>
+          <a:bodyPr/>
+          <a:lstStyle/>
+          <a:p>
             <a:endParaRPr lang="en-US"/>
           </a:p>
         </p:txBody>
@@ -4000,8 +4080,8 @@
           </a:p>
         </p:txBody>
       </p:sp>
-      <mc:AlternateContent xmlns:mc="http://schemas.openxmlformats.org/markup-compatibility/2006">
-        <mc:Choice xmlns:a14="http://schemas.microsoft.com/office/drawing/2010/main" Requires="a14">
+      <mc:AlternateContent xmlns:mc="http://schemas.openxmlformats.org/markup-compatibility/2006" xmlns:a14="http://schemas.microsoft.com/office/drawing/2010/main">
+        <mc:Choice Requires="a14">
           <p:sp>
             <p:nvSpPr>
               <p:cNvPr id="24" name="Rectangle 23"/>
@@ -4023,6 +4103,7 @@
               </a:bodyPr>
               <a:lstStyle/>
               <a:p>
+                <a:pPr/>
                 <a14:m>
                   <m:oMathPara xmlns:m="http://schemas.openxmlformats.org/officeDocument/2006/math">
                     <m:oMathParaPr>
@@ -4032,7 +4113,7 @@
                       <m:sSub>
                         <m:sSubPr>
                           <m:ctrlPr>
-                            <a:rPr lang="en-US" smtClean="0">
+                            <a:rPr lang="en-US" i="1" smtClean="0">
                               <a:latin typeface="Cambria Math" panose="02040503050406030204" pitchFamily="18" charset="0"/>
                             </a:rPr>
                           </m:ctrlPr>
@@ -4549,7 +4630,7 @@
             </p:txBody>
           </p:sp>
         </mc:Choice>
-        <mc:Fallback>
+        <mc:Fallback xmlns="">
           <p:sp>
             <p:nvSpPr>
               <p:cNvPr id="24" name="Rectangle 23"/>
@@ -4588,8 +4669,8 @@
           </p:sp>
         </mc:Fallback>
       </mc:AlternateContent>
-      <mc:AlternateContent xmlns:mc="http://schemas.openxmlformats.org/markup-compatibility/2006">
-        <mc:Choice xmlns:a14="http://schemas.microsoft.com/office/drawing/2010/main" Requires="a14">
+      <mc:AlternateContent xmlns:mc="http://schemas.openxmlformats.org/markup-compatibility/2006" xmlns:a14="http://schemas.microsoft.com/office/drawing/2010/main">
+        <mc:Choice Requires="a14">
           <p:sp>
             <p:nvSpPr>
               <p:cNvPr id="3" name="TextBox 2"/>
@@ -4684,7 +4765,7 @@
             </p:txBody>
           </p:sp>
         </mc:Choice>
-        <mc:Fallback>
+        <mc:Fallback xmlns="">
           <p:sp>
             <p:nvSpPr>
               <p:cNvPr id="3" name="TextBox 2"/>
@@ -5402,8 +5483,8 @@
           </a:p>
         </p:txBody>
       </p:sp>
-      <mc:AlternateContent xmlns:mc="http://schemas.openxmlformats.org/markup-compatibility/2006">
-        <mc:Choice xmlns:a14="http://schemas.microsoft.com/office/drawing/2010/main" Requires="a14">
+      <mc:AlternateContent xmlns:mc="http://schemas.openxmlformats.org/markup-compatibility/2006" xmlns:a14="http://schemas.microsoft.com/office/drawing/2010/main">
+        <mc:Choice Requires="a14">
           <p:sp>
             <p:nvSpPr>
               <p:cNvPr id="12" name="Rectangle 11"/>
@@ -5425,6 +5506,7 @@
               </a:bodyPr>
               <a:lstStyle/>
               <a:p>
+                <a:pPr/>
                 <a14:m>
                   <m:oMathPara xmlns:m="http://schemas.openxmlformats.org/officeDocument/2006/math">
                     <m:oMathParaPr>
@@ -5434,7 +5516,7 @@
                       <m:sSub>
                         <m:sSubPr>
                           <m:ctrlPr>
-                            <a:rPr lang="en-US" smtClean="0">
+                            <a:rPr lang="en-US" i="1" smtClean="0">
                               <a:latin typeface="Cambria Math" panose="02040503050406030204" pitchFamily="18" charset="0"/>
                             </a:rPr>
                           </m:ctrlPr>
@@ -5951,7 +6033,7 @@
             </p:txBody>
           </p:sp>
         </mc:Choice>
-        <mc:Fallback>
+        <mc:Fallback xmlns="">
           <p:sp>
             <p:nvSpPr>
               <p:cNvPr id="12" name="Rectangle 11"/>
@@ -5990,8 +6072,8 @@
           </p:sp>
         </mc:Fallback>
       </mc:AlternateContent>
-      <mc:AlternateContent xmlns:mc="http://schemas.openxmlformats.org/markup-compatibility/2006">
-        <mc:Choice xmlns:a14="http://schemas.microsoft.com/office/drawing/2010/main" Requires="a14">
+      <mc:AlternateContent xmlns:mc="http://schemas.openxmlformats.org/markup-compatibility/2006" xmlns:a14="http://schemas.microsoft.com/office/drawing/2010/main">
+        <mc:Choice Requires="a14">
           <p:sp>
             <p:nvSpPr>
               <p:cNvPr id="8" name="Rectangle 7"/>
@@ -6013,6 +6095,7 @@
               </a:bodyPr>
               <a:lstStyle/>
               <a:p>
+                <a:pPr/>
                 <a14:m>
                   <m:oMathPara xmlns:m="http://schemas.openxmlformats.org/officeDocument/2006/math">
                     <m:oMathParaPr>
@@ -6105,7 +6188,9 @@
                             <m:rPr>
                               <m:sty m:val="p"/>
                             </m:rPr>
-                            <a:rPr lang="en-US"/>
+                            <a:rPr lang="en-US">
+                              <a:latin typeface="Cambria Math" panose="02040503050406030204" pitchFamily="18" charset="0"/>
+                            </a:rPr>
                             <m:t>μ</m:t>
                           </m:r>
                         </m:den>
@@ -6132,7 +6217,9 @@
                         <m:rPr>
                           <m:sty m:val="p"/>
                         </m:rPr>
-                        <a:rPr lang="en-US"/>
+                        <a:rPr lang="en-US">
+                          <a:latin typeface="Cambria Math" panose="02040503050406030204" pitchFamily="18" charset="0"/>
+                        </a:rPr>
                         <m:t>μ</m:t>
                       </m:r>
                       <m:r>
@@ -6145,41 +6232,55 @@
                         <m:naryPr>
                           <m:limLoc m:val="subSup"/>
                           <m:ctrlPr>
-                            <a:rPr lang="en-US" i="1"/>
+                            <a:rPr lang="en-US" i="1">
+                              <a:latin typeface="Cambria Math" panose="02040503050406030204" pitchFamily="18" charset="0"/>
+                            </a:rPr>
                           </m:ctrlPr>
                         </m:naryPr>
                         <m:sub>
                           <m:r>
-                            <a:rPr lang="en-US" i="1"/>
+                            <a:rPr lang="en-US" i="1">
+                              <a:latin typeface="Cambria Math" panose="02040503050406030204" pitchFamily="18" charset="0"/>
+                            </a:rPr>
                             <m:t>0.7</m:t>
                           </m:r>
                         </m:sub>
                         <m:sup>
                           <m:r>
-                            <a:rPr lang="en-US" i="1"/>
+                            <a:rPr lang="en-US" i="1">
+                              <a:latin typeface="Cambria Math" panose="02040503050406030204" pitchFamily="18" charset="0"/>
+                            </a:rPr>
                             <m:t>0.9</m:t>
                           </m:r>
                         </m:sup>
                         <m:e>
                           <m:r>
-                            <a:rPr lang="en-US" i="1"/>
+                            <a:rPr lang="en-US" i="1">
+                              <a:latin typeface="Cambria Math" panose="02040503050406030204" pitchFamily="18" charset="0"/>
+                            </a:rPr>
                             <m:t>𝑏</m:t>
                           </m:r>
                           <m:d>
                             <m:dPr>
                               <m:ctrlPr>
-                                <a:rPr lang="en-US" i="1"/>
+                                <a:rPr lang="en-US" i="1">
+                                  <a:latin typeface="Cambria Math" panose="02040503050406030204" pitchFamily="18" charset="0"/>
+                                </a:rPr>
                               </m:ctrlPr>
                             </m:dPr>
                             <m:e>
                               <m:r>
-                                <a:rPr lang="en-US" i="1"/>
+                                <a:rPr lang="en-US" i="1">
+                                  <a:latin typeface="Cambria Math" panose="02040503050406030204" pitchFamily="18" charset="0"/>
+                                </a:rPr>
                                 <m:t>𝑎</m:t>
                               </m:r>
                             </m:e>
                           </m:d>
                           <m:r>
-                            <a:rPr lang="en-US" i="1"/>
+                            <a:rPr lang="en-US" i="1">
+                              <a:latin typeface="Cambria Math" panose="02040503050406030204" pitchFamily="18" charset="0"/>
+                            </a:rPr>
                             <m:t>𝑑𝑎</m:t>
                           </m:r>
                         </m:e>
@@ -6192,7 +6293,7 @@
             </p:txBody>
           </p:sp>
         </mc:Choice>
-        <mc:Fallback>
+        <mc:Fallback xmlns="">
           <p:sp>
             <p:nvSpPr>
               <p:cNvPr id="8" name="Rectangle 7"/>
@@ -6573,8 +6674,8 @@
           </a:p>
         </p:txBody>
       </p:sp>
-      <mc:AlternateContent xmlns:mc="http://schemas.openxmlformats.org/markup-compatibility/2006">
-        <mc:Choice xmlns:a14="http://schemas.microsoft.com/office/drawing/2010/main" Requires="a14">
+      <mc:AlternateContent xmlns:mc="http://schemas.openxmlformats.org/markup-compatibility/2006" xmlns:a14="http://schemas.microsoft.com/office/drawing/2010/main">
+        <mc:Choice Requires="a14">
           <p:sp>
             <p:nvSpPr>
               <p:cNvPr id="12" name="Rectangle 11"/>
@@ -6596,6 +6697,7 @@
               </a:bodyPr>
               <a:lstStyle/>
               <a:p>
+                <a:pPr/>
                 <a14:m>
                   <m:oMathPara xmlns:m="http://schemas.openxmlformats.org/officeDocument/2006/math">
                     <m:oMathParaPr>
@@ -6605,7 +6707,7 @@
                       <m:sSub>
                         <m:sSubPr>
                           <m:ctrlPr>
-                            <a:rPr lang="en-US" smtClean="0">
+                            <a:rPr lang="en-US" i="1" smtClean="0">
                               <a:latin typeface="Cambria Math" panose="02040503050406030204" pitchFamily="18" charset="0"/>
                             </a:rPr>
                           </m:ctrlPr>
@@ -7215,7 +7317,7 @@
             </p:txBody>
           </p:sp>
         </mc:Choice>
-        <mc:Fallback>
+        <mc:Fallback xmlns="">
           <p:sp>
             <p:nvSpPr>
               <p:cNvPr id="12" name="Rectangle 11"/>
@@ -7254,8 +7356,8 @@
           </p:sp>
         </mc:Fallback>
       </mc:AlternateContent>
-      <mc:AlternateContent xmlns:mc="http://schemas.openxmlformats.org/markup-compatibility/2006">
-        <mc:Choice xmlns:a14="http://schemas.microsoft.com/office/drawing/2010/main" Requires="a14">
+      <mc:AlternateContent xmlns:mc="http://schemas.openxmlformats.org/markup-compatibility/2006" xmlns:a14="http://schemas.microsoft.com/office/drawing/2010/main">
+        <mc:Choice Requires="a14">
           <p:sp>
             <p:nvSpPr>
               <p:cNvPr id="8" name="Rectangle 7"/>
@@ -7277,6 +7379,7 @@
               </a:bodyPr>
               <a:lstStyle/>
               <a:p>
+                <a:pPr/>
                 <a14:m>
                   <m:oMathPara xmlns:m="http://schemas.openxmlformats.org/officeDocument/2006/math">
                     <m:oMathParaPr>
@@ -7369,7 +7472,9 @@
                             <m:rPr>
                               <m:sty m:val="p"/>
                             </m:rPr>
-                            <a:rPr lang="en-US"/>
+                            <a:rPr lang="en-US">
+                              <a:latin typeface="Cambria Math" panose="02040503050406030204" pitchFamily="18" charset="0"/>
+                            </a:rPr>
                             <m:t>μ</m:t>
                           </m:r>
                         </m:den>
@@ -7396,7 +7501,9 @@
                         <m:rPr>
                           <m:sty m:val="p"/>
                         </m:rPr>
-                        <a:rPr lang="en-US"/>
+                        <a:rPr lang="en-US">
+                          <a:latin typeface="Cambria Math" panose="02040503050406030204" pitchFamily="18" charset="0"/>
+                        </a:rPr>
                         <m:t>μ</m:t>
                       </m:r>
                       <m:r>
@@ -7409,41 +7516,55 @@
                         <m:naryPr>
                           <m:limLoc m:val="subSup"/>
                           <m:ctrlPr>
-                            <a:rPr lang="en-US" i="1"/>
+                            <a:rPr lang="en-US" i="1">
+                              <a:latin typeface="Cambria Math" panose="02040503050406030204" pitchFamily="18" charset="0"/>
+                            </a:rPr>
                           </m:ctrlPr>
                         </m:naryPr>
                         <m:sub>
                           <m:r>
-                            <a:rPr lang="en-US" i="1"/>
+                            <a:rPr lang="en-US" i="1">
+                              <a:latin typeface="Cambria Math" panose="02040503050406030204" pitchFamily="18" charset="0"/>
+                            </a:rPr>
                             <m:t>0.7</m:t>
                           </m:r>
                         </m:sub>
                         <m:sup>
                           <m:r>
-                            <a:rPr lang="en-US" i="1"/>
+                            <a:rPr lang="en-US" i="1">
+                              <a:latin typeface="Cambria Math" panose="02040503050406030204" pitchFamily="18" charset="0"/>
+                            </a:rPr>
                             <m:t>0.9</m:t>
                           </m:r>
                         </m:sup>
                         <m:e>
                           <m:r>
-                            <a:rPr lang="en-US" i="1"/>
+                            <a:rPr lang="en-US" i="1">
+                              <a:latin typeface="Cambria Math" panose="02040503050406030204" pitchFamily="18" charset="0"/>
+                            </a:rPr>
                             <m:t>𝑏</m:t>
                           </m:r>
                           <m:d>
                             <m:dPr>
                               <m:ctrlPr>
-                                <a:rPr lang="en-US" i="1"/>
+                                <a:rPr lang="en-US" i="1">
+                                  <a:latin typeface="Cambria Math" panose="02040503050406030204" pitchFamily="18" charset="0"/>
+                                </a:rPr>
                               </m:ctrlPr>
                             </m:dPr>
                             <m:e>
                               <m:r>
-                                <a:rPr lang="en-US" i="1"/>
+                                <a:rPr lang="en-US" i="1">
+                                  <a:latin typeface="Cambria Math" panose="02040503050406030204" pitchFamily="18" charset="0"/>
+                                </a:rPr>
                                 <m:t>𝑎</m:t>
                               </m:r>
                             </m:e>
                           </m:d>
                           <m:r>
-                            <a:rPr lang="en-US" i="1"/>
+                            <a:rPr lang="en-US" i="1">
+                              <a:latin typeface="Cambria Math" panose="02040503050406030204" pitchFamily="18" charset="0"/>
+                            </a:rPr>
                             <m:t>𝑑𝑎</m:t>
                           </m:r>
                         </m:e>
@@ -7462,7 +7583,7 @@
             </p:txBody>
           </p:sp>
         </mc:Choice>
-        <mc:Fallback>
+        <mc:Fallback xmlns="">
           <p:sp>
             <p:nvSpPr>
               <p:cNvPr id="8" name="Rectangle 7"/>
@@ -7501,8 +7622,8 @@
           </p:sp>
         </mc:Fallback>
       </mc:AlternateContent>
-      <mc:AlternateContent xmlns:mc="http://schemas.openxmlformats.org/markup-compatibility/2006">
-        <mc:Choice xmlns:a14="http://schemas.microsoft.com/office/drawing/2010/main" Requires="a14">
+      <mc:AlternateContent xmlns:mc="http://schemas.openxmlformats.org/markup-compatibility/2006" xmlns:a14="http://schemas.microsoft.com/office/drawing/2010/main">
+        <mc:Choice Requires="a14">
           <p:sp>
             <p:nvSpPr>
               <p:cNvPr id="10" name="TextBox 9"/>
@@ -7566,7 +7687,7 @@
             </p:txBody>
           </p:sp>
         </mc:Choice>
-        <mc:Fallback>
+        <mc:Fallback xmlns="">
           <p:sp>
             <p:nvSpPr>
               <p:cNvPr id="10" name="TextBox 9"/>
@@ -7658,8 +7779,8 @@
           </a:p>
         </p:txBody>
       </p:sp>
-      <mc:AlternateContent xmlns:mc="http://schemas.openxmlformats.org/markup-compatibility/2006">
-        <mc:Choice xmlns:a14="http://schemas.microsoft.com/office/drawing/2010/main" Requires="a14">
+      <mc:AlternateContent xmlns:mc="http://schemas.openxmlformats.org/markup-compatibility/2006" xmlns:a14="http://schemas.microsoft.com/office/drawing/2010/main">
+        <mc:Choice Requires="a14">
           <p:sp>
             <p:nvSpPr>
               <p:cNvPr id="3" name="Content Placeholder 2"/>
@@ -7693,7 +7814,7 @@
                     <m:d>
                       <m:dPr>
                         <m:ctrlPr>
-                          <a:rPr lang="en-US" b="0" i="0" smtClean="0">
+                          <a:rPr lang="en-US" b="0" i="1" smtClean="0">
                             <a:latin typeface="Cambria Math" panose="02040503050406030204" pitchFamily="18" charset="0"/>
                           </a:rPr>
                         </m:ctrlPr>
@@ -7955,7 +8076,7 @@
             </p:txBody>
           </p:sp>
         </mc:Choice>
-        <mc:Fallback>
+        <mc:Fallback xmlns="">
           <p:sp>
             <p:nvSpPr>
               <p:cNvPr id="3" name="Content Placeholder 2"/>
@@ -8216,8 +8337,8 @@
           </a:p>
         </p:txBody>
       </p:sp>
-      <mc:AlternateContent xmlns:mc="http://schemas.openxmlformats.org/markup-compatibility/2006">
-        <mc:Choice xmlns:a14="http://schemas.microsoft.com/office/drawing/2010/main" Requires="a14">
+      <mc:AlternateContent xmlns:mc="http://schemas.openxmlformats.org/markup-compatibility/2006" xmlns:a14="http://schemas.microsoft.com/office/drawing/2010/main">
+        <mc:Choice Requires="a14">
           <p:sp>
             <p:nvSpPr>
               <p:cNvPr id="3" name="Content Placeholder 2"/>
@@ -8469,13 +8590,7 @@
                       <a:rPr lang="en-US" b="0" i="1" smtClean="0">
                         <a:latin typeface="Cambria Math" panose="02040503050406030204" pitchFamily="18" charset="0"/>
                       </a:rPr>
-                      <m:t>)</m:t>
-                    </m:r>
-                    <m:r>
-                      <a:rPr lang="en-US" b="0" i="1" smtClean="0">
-                        <a:latin typeface="Cambria Math" panose="02040503050406030204" pitchFamily="18" charset="0"/>
-                      </a:rPr>
-                      <m:t>=</m:t>
+                      <m:t>)=</m:t>
                     </m:r>
                     <m:r>
                       <a:rPr lang="en-US" b="0" i="1" smtClean="0">
@@ -8796,7 +8911,7 @@
             </p:txBody>
           </p:sp>
         </mc:Choice>
-        <mc:Fallback>
+        <mc:Fallback xmlns="">
           <p:sp>
             <p:nvSpPr>
               <p:cNvPr id="3" name="Content Placeholder 2"/>
